--- a/projekt/Präsentation1.pptx
+++ b/projekt/Präsentation1.pptx
@@ -6,10 +6,11 @@
   </p:sldMasterIdLst>
   <p:sldIdLst>
     <p:sldId id="256" r:id="rId2"/>
-    <p:sldId id="259" r:id="rId3"/>
-    <p:sldId id="257" r:id="rId4"/>
-    <p:sldId id="260" r:id="rId5"/>
-    <p:sldId id="258" r:id="rId6"/>
+    <p:sldId id="261" r:id="rId3"/>
+    <p:sldId id="259" r:id="rId4"/>
+    <p:sldId id="257" r:id="rId5"/>
+    <p:sldId id="260" r:id="rId6"/>
+    <p:sldId id="258" r:id="rId7"/>
   </p:sldIdLst>
   <p:sldSz cx="12192000" cy="6858000"/>
   <p:notesSz cx="6858000" cy="9144000"/>
@@ -108,6 +109,11 @@
       </a:defRPr>
     </a:lvl9pPr>
   </p:defaultTextStyle>
+  <p:extLst>
+    <p:ext uri="{EFAFB233-063F-42B5-8137-9DF3F51BA10A}">
+      <p15:sldGuideLst xmlns:p15="http://schemas.microsoft.com/office/powerpoint/2012/main"/>
+    </p:ext>
+  </p:extLst>
 </p:presentation>
 </file>
 
@@ -3341,7 +3347,12 @@
             <p:ph type="ctrTitle"/>
           </p:nvPr>
         </p:nvSpPr>
-        <p:spPr/>
+        <p:spPr>
+          <a:xfrm>
+            <a:off x="1524000" y="514350"/>
+            <a:ext cx="9144000" cy="2995613"/>
+          </a:xfrm>
+        </p:spPr>
         <p:txBody>
           <a:bodyPr>
             <a:normAutofit fontScale="90000"/>
@@ -3361,60 +3372,69 @@
             <a:br>
               <a:rPr lang="de-DE" dirty="0"/>
             </a:br>
-            <a:r>
-              <a:rPr lang="de-DE" dirty="0"/>
-              <a:t>Der Durchaus überragende:</a:t>
-            </a:r>
             <a:br>
               <a:rPr lang="de-DE" dirty="0"/>
             </a:br>
-            <a:r>
-              <a:rPr lang="de-DE" dirty="0"/>
-              <a:t>„</a:t>
-            </a:r>
-            <a:r>
-              <a:rPr lang="de-DE" dirty="0" err="1"/>
-              <a:t>Proxmox</a:t>
-            </a:r>
-            <a:r>
-              <a:rPr lang="de-DE" dirty="0"/>
-              <a:t> Python SQL </a:t>
-            </a:r>
-            <a:r>
-              <a:rPr lang="de-DE" dirty="0" err="1"/>
-              <a:t>config</a:t>
-            </a:r>
-            <a:r>
-              <a:rPr lang="de-DE" dirty="0"/>
-              <a:t> </a:t>
-            </a:r>
-            <a:r>
-              <a:rPr lang="de-DE" dirty="0" err="1"/>
-              <a:t>extractor</a:t>
-            </a:r>
-            <a:r>
-              <a:rPr lang="de-DE" dirty="0"/>
-              <a:t> </a:t>
-            </a:r>
-            <a:r>
-              <a:rPr lang="de-DE" dirty="0" err="1"/>
-              <a:t>to</a:t>
-            </a:r>
-            <a:r>
-              <a:rPr lang="de-DE" dirty="0"/>
-              <a:t> Database </a:t>
-            </a:r>
-            <a:r>
-              <a:rPr lang="de-DE" dirty="0" err="1"/>
-              <a:t>injector</a:t>
-            </a:r>
-            <a:r>
-              <a:rPr lang="de-DE" dirty="0"/>
-              <a:t>“</a:t>
-            </a:r>
             <a:br>
               <a:rPr lang="de-DE" dirty="0"/>
             </a:br>
+            <a:br>
+              <a:rPr lang="de-DE" dirty="0"/>
+            </a:br>
+            <a:r>
+              <a:rPr lang="de-DE" dirty="0"/>
+              <a:t>Der Durchaus überragende:</a:t>
+            </a:r>
+            <a:br>
+              <a:rPr lang="de-DE" dirty="0"/>
+            </a:br>
+            <a:r>
+              <a:rPr lang="de-DE" dirty="0"/>
+              <a:t>„</a:t>
+            </a:r>
+            <a:r>
+              <a:rPr lang="de-DE" dirty="0" err="1"/>
+              <a:t>Proxmox</a:t>
+            </a:r>
+            <a:r>
+              <a:rPr lang="de-DE" dirty="0"/>
+              <a:t> Python SQL </a:t>
+            </a:r>
+            <a:r>
+              <a:rPr lang="de-DE" dirty="0" err="1"/>
+              <a:t>config</a:t>
+            </a:r>
+            <a:r>
+              <a:rPr lang="de-DE" dirty="0"/>
+              <a:t> </a:t>
+            </a:r>
+            <a:r>
+              <a:rPr lang="de-DE" dirty="0" err="1"/>
+              <a:t>extractor</a:t>
+            </a:r>
+            <a:r>
+              <a:rPr lang="de-DE" dirty="0"/>
+              <a:t> </a:t>
+            </a:r>
+            <a:r>
+              <a:rPr lang="de-DE" dirty="0" err="1"/>
+              <a:t>to</a:t>
+            </a:r>
+            <a:r>
+              <a:rPr lang="de-DE" dirty="0"/>
+              <a:t> Database </a:t>
+            </a:r>
+            <a:r>
+              <a:rPr lang="de-DE" dirty="0" err="1"/>
+              <a:t>injector</a:t>
+            </a:r>
+            <a:r>
+              <a:rPr lang="de-DE" dirty="0"/>
+              <a:t>“</a:t>
+            </a:r>
+            <a:br>
+              <a:rPr lang="de-DE" dirty="0"/>
+            </a:br>
             <a:r>
               <a:rPr lang="de-DE" dirty="0"/>
               <a:t>(PPSCETDI)</a:t>
@@ -3438,10 +3458,15 @@
             <p:ph type="subTitle" idx="1"/>
           </p:nvPr>
         </p:nvSpPr>
-        <p:spPr/>
+        <p:spPr>
+          <a:xfrm>
+            <a:off x="1524000" y="3602038"/>
+            <a:ext cx="9144000" cy="2646362"/>
+          </a:xfrm>
+        </p:spPr>
         <p:txBody>
           <a:bodyPr>
-            <a:normAutofit fontScale="77500" lnSpcReduction="20000"/>
+            <a:normAutofit/>
           </a:bodyPr>
           <a:lstStyle/>
           <a:p>
@@ -3449,22 +3474,14 @@
           </a:p>
           <a:p>
             <a:r>
-              <a:rPr lang="de-DE" dirty="0" err="1"/>
-              <a:t>Konzeptuiert</a:t>
-            </a:r>
-            <a:r>
               <a:rPr lang="de-DE" dirty="0"/>
-              <a:t>, Programmiert, installiert und konfiguriert von </a:t>
-            </a:r>
-          </a:p>
-          <a:p>
-            <a:r>
-              <a:rPr lang="de-DE" dirty="0" err="1"/>
-              <a:t>Tristus</a:t>
-            </a:r>
+              <a:t>Erdacht, Programmiert, installiert und konfiguriert von </a:t>
+            </a:r>
+          </a:p>
+          <a:p>
             <a:r>
               <a:rPr lang="de-DE" dirty="0"/>
-              <a:t>, Maximus und Justus,</a:t>
+              <a:t>Tristan, Max und Justin,</a:t>
             </a:r>
           </a:p>
           <a:p>
@@ -3476,15 +3493,7 @@
           <a:p>
             <a:r>
               <a:rPr lang="de-DE" dirty="0"/>
-              <a:t>„</a:t>
-            </a:r>
-            <a:r>
-              <a:rPr lang="de-DE" dirty="0" err="1"/>
-              <a:t>us</a:t>
-            </a:r>
-            <a:r>
-              <a:rPr lang="de-DE" dirty="0"/>
-              <a:t>“.</a:t>
+              <a:t>„wir“.</a:t>
             </a:r>
           </a:p>
         </p:txBody>
@@ -3524,6 +3533,119 @@
           <p:cNvPr id="2" name="Titel 1">
             <a:extLst>
               <a:ext uri="{FF2B5EF4-FFF2-40B4-BE49-F238E27FC236}">
+                <a16:creationId xmlns:a16="http://schemas.microsoft.com/office/drawing/2014/main" id="{A72B59EE-F85A-4DC4-83F8-4F1AA9C993B3}"/>
+              </a:ext>
+            </a:extLst>
+          </p:cNvPr>
+          <p:cNvSpPr>
+            <a:spLocks noGrp="1"/>
+          </p:cNvSpPr>
+          <p:nvPr>
+            <p:ph type="title"/>
+          </p:nvPr>
+        </p:nvSpPr>
+        <p:spPr/>
+        <p:txBody>
+          <a:bodyPr/>
+          <a:lstStyle/>
+          <a:p>
+            <a:pPr algn="ctr"/>
+            <a:r>
+              <a:rPr lang="de-DE" dirty="0"/>
+              <a:t>Ist-Zustand</a:t>
+            </a:r>
+          </a:p>
+        </p:txBody>
+      </p:sp>
+      <p:sp>
+        <p:nvSpPr>
+          <p:cNvPr id="3" name="Inhaltsplatzhalter 2">
+            <a:extLst>
+              <a:ext uri="{FF2B5EF4-FFF2-40B4-BE49-F238E27FC236}">
+                <a16:creationId xmlns:a16="http://schemas.microsoft.com/office/drawing/2014/main" id="{8C404807-36AF-4F37-866F-7861CF575DA6}"/>
+              </a:ext>
+            </a:extLst>
+          </p:cNvPr>
+          <p:cNvSpPr>
+            <a:spLocks noGrp="1"/>
+          </p:cNvSpPr>
+          <p:nvPr>
+            <p:ph idx="1"/>
+          </p:nvPr>
+        </p:nvSpPr>
+        <p:spPr/>
+        <p:txBody>
+          <a:bodyPr/>
+          <a:lstStyle/>
+          <a:p>
+            <a:endParaRPr lang="de-DE" dirty="0"/>
+          </a:p>
+          <a:p>
+            <a:r>
+              <a:rPr lang="de-DE" dirty="0"/>
+              <a:t>Der </a:t>
+            </a:r>
+            <a:r>
+              <a:rPr lang="de-DE" dirty="0" err="1"/>
+              <a:t>Proxmox</a:t>
+            </a:r>
+            <a:r>
+              <a:rPr lang="de-DE" dirty="0"/>
+              <a:t>-Server verwaltet VM Clients, jeder Client hat Dateien zur Konfiguration.</a:t>
+            </a:r>
+          </a:p>
+          <a:p>
+            <a:r>
+              <a:rPr lang="de-DE" dirty="0"/>
+              <a:t>Diese Dateien werden von unserem Python Skript ausgelesen in das richtige Format überführt und via SQL Befehlen in eine Datenbank übertragen</a:t>
+            </a:r>
+          </a:p>
+          <a:p>
+            <a:r>
+              <a:rPr lang="de-DE" dirty="0"/>
+              <a:t>Außerdem sind über das Skript verschiedene Manipulationen der Datenbank möglich</a:t>
+            </a:r>
+          </a:p>
+          <a:p>
+            <a:endParaRPr lang="de-DE" dirty="0"/>
+          </a:p>
+        </p:txBody>
+      </p:sp>
+    </p:spTree>
+    <p:extLst>
+      <p:ext uri="{BB962C8B-B14F-4D97-AF65-F5344CB8AC3E}">
+        <p14:creationId xmlns:p14="http://schemas.microsoft.com/office/powerpoint/2010/main" val="3206993460"/>
+      </p:ext>
+    </p:extLst>
+  </p:cSld>
+  <p:clrMapOvr>
+    <a:masterClrMapping/>
+  </p:clrMapOvr>
+</p:sld>
+</file>
+
+<file path=ppt/slides/slide3.xml><?xml version="1.0" encoding="utf-8"?>
+<p:sld xmlns:a="http://schemas.openxmlformats.org/drawingml/2006/main" xmlns:r="http://schemas.openxmlformats.org/officeDocument/2006/relationships" xmlns:p="http://schemas.openxmlformats.org/presentationml/2006/main">
+  <p:cSld>
+    <p:spTree>
+      <p:nvGrpSpPr>
+        <p:cNvPr id="1" name=""/>
+        <p:cNvGrpSpPr/>
+        <p:nvPr/>
+      </p:nvGrpSpPr>
+      <p:grpSpPr>
+        <a:xfrm>
+          <a:off x="0" y="0"/>
+          <a:ext cx="0" cy="0"/>
+          <a:chOff x="0" y="0"/>
+          <a:chExt cx="0" cy="0"/>
+        </a:xfrm>
+      </p:grpSpPr>
+      <p:sp>
+        <p:nvSpPr>
+          <p:cNvPr id="2" name="Titel 1">
+            <a:extLst>
+              <a:ext uri="{FF2B5EF4-FFF2-40B4-BE49-F238E27FC236}">
                 <a16:creationId xmlns:a16="http://schemas.microsoft.com/office/drawing/2014/main" id="{B2A9FE21-3887-48CB-BAC1-96B2D1192AD4}"/>
               </a:ext>
             </a:extLst>
@@ -3568,6 +3690,9 @@
         <p:txBody>
           <a:bodyPr/>
           <a:lstStyle/>
+          <a:p>
+            <a:endParaRPr lang="de-DE" dirty="0"/>
+          </a:p>
           <a:p>
             <a:r>
               <a:rPr lang="de-DE" dirty="0"/>
@@ -3603,7 +3728,7 @@
 </p:sld>
 </file>
 
-<file path=ppt/slides/slide3.xml><?xml version="1.0" encoding="utf-8"?>
+<file path=ppt/slides/slide4.xml><?xml version="1.0" encoding="utf-8"?>
 <p:sld xmlns:a="http://schemas.openxmlformats.org/drawingml/2006/main" xmlns:r="http://schemas.openxmlformats.org/officeDocument/2006/relationships" xmlns:p="http://schemas.openxmlformats.org/presentationml/2006/main">
   <p:cSld>
     <p:spTree>
@@ -3694,7 +3819,7 @@
 </p:sld>
 </file>
 
-<file path=ppt/slides/slide4.xml><?xml version="1.0" encoding="utf-8"?>
+<file path=ppt/slides/slide5.xml><?xml version="1.0" encoding="utf-8"?>
 <p:sld xmlns:a="http://schemas.openxmlformats.org/drawingml/2006/main" xmlns:r="http://schemas.openxmlformats.org/officeDocument/2006/relationships" xmlns:p="http://schemas.openxmlformats.org/presentationml/2006/main">
   <p:cSld>
     <p:spTree>
@@ -3818,7 +3943,7 @@
 </p:sld>
 </file>
 
-<file path=ppt/slides/slide5.xml><?xml version="1.0" encoding="utf-8"?>
+<file path=ppt/slides/slide6.xml><?xml version="1.0" encoding="utf-8"?>
 <p:sld xmlns:a="http://schemas.openxmlformats.org/drawingml/2006/main" xmlns:r="http://schemas.openxmlformats.org/officeDocument/2006/relationships" xmlns:p="http://schemas.openxmlformats.org/presentationml/2006/main">
   <p:cSld>
     <p:spTree>
@@ -3859,13 +3984,6 @@
             <a:pPr algn="ctr"/>
             <a:r>
               <a:rPr lang="de-DE" dirty="0"/>
-              <a:t>Ist-Zustand und </a:t>
-            </a:r>
-            <a:br>
-              <a:rPr lang="de-DE" dirty="0"/>
-            </a:br>
-            <a:r>
-              <a:rPr lang="de-DE" dirty="0"/>
               <a:t>Zukünftige Erweiterungen</a:t>
             </a:r>
           </a:p>
@@ -3890,26 +4008,9 @@
         <p:spPr/>
         <p:txBody>
           <a:bodyPr>
-            <a:normAutofit lnSpcReduction="10000"/>
+            <a:normAutofit/>
           </a:bodyPr>
           <a:lstStyle/>
-          <a:p>
-            <a:endParaRPr lang="de-DE" dirty="0"/>
-          </a:p>
-          <a:p>
-            <a:r>
-              <a:rPr lang="de-DE" dirty="0"/>
-              <a:t>Der Datenbankentwurf wurde vorläufig nur für </a:t>
-            </a:r>
-            <a:r>
-              <a:rPr lang="de-DE" dirty="0" err="1"/>
-              <a:t>Indexirung</a:t>
-            </a:r>
-            <a:r>
-              <a:rPr lang="de-DE" dirty="0"/>
-              <a:t> der vorhandenen  </a:t>
-            </a:r>
-          </a:p>
           <a:p>
             <a:pPr marL="0" indent="0">
               <a:buNone/>
